--- a/materials/slides/ch11/11 JMeter基础.pptx
+++ b/materials/slides/ch11/11 JMeter基础.pptx
@@ -5,7 +5,7 @@
     <p:sldMasterId id="2147483662" r:id="rId1"/>
   </p:sldMasterIdLst>
   <p:notesMasterIdLst>
-    <p:notesMasterId r:id="rId41"/>
+    <p:notesMasterId r:id="rId40"/>
   </p:notesMasterIdLst>
   <p:sldIdLst>
     <p:sldId id="313" r:id="rId2"/>
@@ -30,23 +30,22 @@
     <p:sldId id="344" r:id="rId21"/>
     <p:sldId id="369" r:id="rId22"/>
     <p:sldId id="345" r:id="rId23"/>
-    <p:sldId id="346" r:id="rId24"/>
-    <p:sldId id="347" r:id="rId25"/>
-    <p:sldId id="348" r:id="rId26"/>
-    <p:sldId id="349" r:id="rId27"/>
-    <p:sldId id="376" r:id="rId28"/>
-    <p:sldId id="377" r:id="rId29"/>
-    <p:sldId id="378" r:id="rId30"/>
-    <p:sldId id="379" r:id="rId31"/>
-    <p:sldId id="355" r:id="rId32"/>
-    <p:sldId id="356" r:id="rId33"/>
-    <p:sldId id="375" r:id="rId34"/>
-    <p:sldId id="358" r:id="rId35"/>
-    <p:sldId id="359" r:id="rId36"/>
-    <p:sldId id="360" r:id="rId37"/>
-    <p:sldId id="373" r:id="rId38"/>
-    <p:sldId id="372" r:id="rId39"/>
-    <p:sldId id="374" r:id="rId40"/>
+    <p:sldId id="347" r:id="rId24"/>
+    <p:sldId id="348" r:id="rId25"/>
+    <p:sldId id="349" r:id="rId26"/>
+    <p:sldId id="376" r:id="rId27"/>
+    <p:sldId id="377" r:id="rId28"/>
+    <p:sldId id="378" r:id="rId29"/>
+    <p:sldId id="379" r:id="rId30"/>
+    <p:sldId id="355" r:id="rId31"/>
+    <p:sldId id="356" r:id="rId32"/>
+    <p:sldId id="375" r:id="rId33"/>
+    <p:sldId id="358" r:id="rId34"/>
+    <p:sldId id="359" r:id="rId35"/>
+    <p:sldId id="360" r:id="rId36"/>
+    <p:sldId id="373" r:id="rId37"/>
+    <p:sldId id="372" r:id="rId38"/>
+    <p:sldId id="374" r:id="rId39"/>
   </p:sldIdLst>
   <p:sldSz cx="9144000" cy="5143500" type="screen16x9"/>
   <p:notesSz cx="6858000" cy="9144000"/>
@@ -230,7 +229,7 @@
           <a:p>
             <a:fld id="{12917036-4097-4A67-B82A-FD5C6195453D}" type="datetimeFigureOut">
               <a:rPr lang="zh-CN" altLang="en-US" smtClean="0"/>
-              <a:t>2019/10/29</a:t>
+              <a:t>2019/10/30</a:t>
             </a:fld>
             <a:endParaRPr lang="zh-CN" altLang="en-US"/>
           </a:p>
@@ -1837,7 +1836,7 @@
               <a:pPr>
                 <a:defRPr/>
               </a:pPr>
-              <a:t>25</a:t>
+              <a:t>24</a:t>
             </a:fld>
             <a:endParaRPr lang="zh-CN" altLang="en-US"/>
           </a:p>
@@ -1925,7 +1924,7 @@
           <a:p>
             <a:fld id="{492130AA-67D2-4DB7-A4EE-A3ADA8CA71A6}" type="slidenum">
               <a:rPr lang="zh-CN" altLang="en-US" smtClean="0"/>
-              <a:t>30</a:t>
+              <a:t>29</a:t>
             </a:fld>
             <a:endParaRPr lang="zh-CN" altLang="en-US"/>
           </a:p>
@@ -2009,7 +2008,7 @@
           <a:p>
             <a:fld id="{492130AA-67D2-4DB7-A4EE-A3ADA8CA71A6}" type="slidenum">
               <a:rPr lang="zh-CN" altLang="en-US" smtClean="0"/>
-              <a:t>38</a:t>
+              <a:t>37</a:t>
             </a:fld>
             <a:endParaRPr lang="zh-CN" altLang="en-US"/>
           </a:p>
@@ -2062,7 +2061,7 @@
           <a:p>
             <a:fld id="{530820CF-B880-4189-942D-D702A7CBA730}" type="datetimeFigureOut">
               <a:rPr lang="zh-CN" altLang="en-US" smtClean="0"/>
-              <a:t>2019/10/29</a:t>
+              <a:t>2019/10/30</a:t>
             </a:fld>
             <a:endParaRPr lang="zh-CN" altLang="en-US"/>
           </a:p>
@@ -2455,7 +2454,7 @@
           <a:p>
             <a:fld id="{530820CF-B880-4189-942D-D702A7CBA730}" type="datetimeFigureOut">
               <a:rPr lang="zh-CN" altLang="en-US" smtClean="0"/>
-              <a:t>2019/10/29</a:t>
+              <a:t>2019/10/30</a:t>
             </a:fld>
             <a:endParaRPr lang="zh-CN" altLang="en-US"/>
           </a:p>
@@ -3253,7 +3252,7 @@
           <a:p>
             <a:fld id="{530820CF-B880-4189-942D-D702A7CBA730}" type="datetimeFigureOut">
               <a:rPr lang="zh-CN" altLang="en-US" smtClean="0"/>
-              <a:t>2019/10/29</a:t>
+              <a:t>2019/10/30</a:t>
             </a:fld>
             <a:endParaRPr lang="zh-CN" altLang="en-US"/>
           </a:p>
@@ -9302,800 +9301,6 @@
         <p:spPr/>
         <p:txBody>
           <a:bodyPr>
-            <a:normAutofit fontScale="92500"/>
-          </a:bodyPr>
-          <a:lstStyle/>
-          <a:p>
-            <a:r>
-              <a:rPr lang="zh-CN" altLang="en-US" dirty="0"/>
-              <a:t>创建</a:t>
-            </a:r>
-            <a:r>
-              <a:rPr lang="zh-CN" altLang="en-US" dirty="0" smtClean="0"/>
-              <a:t>测试计划</a:t>
-            </a:r>
-            <a:endParaRPr lang="en-US" altLang="zh-CN" dirty="0" smtClean="0"/>
-          </a:p>
-          <a:p>
-            <a:r>
-              <a:rPr lang="zh-CN" altLang="en-US" dirty="0" smtClean="0"/>
-              <a:t>新建线程组</a:t>
-            </a:r>
-            <a:endParaRPr lang="en-US" altLang="zh-CN" dirty="0" smtClean="0"/>
-          </a:p>
-          <a:p>
-            <a:r>
-              <a:rPr lang="zh-CN" altLang="en-US" dirty="0" smtClean="0"/>
-              <a:t>开发脚本</a:t>
-            </a:r>
-            <a:endParaRPr lang="en-US" altLang="zh-CN" dirty="0" smtClean="0"/>
-          </a:p>
-          <a:p>
-            <a:pPr lvl="1"/>
-            <a:r>
-              <a:rPr lang="zh-CN" altLang="en-US" dirty="0" smtClean="0"/>
-              <a:t>手工书写、</a:t>
-            </a:r>
-            <a:r>
-              <a:rPr lang="en-US" altLang="zh-CN" dirty="0" smtClean="0"/>
-              <a:t>Badboy</a:t>
-            </a:r>
-            <a:r>
-              <a:rPr lang="zh-CN" altLang="en-US" dirty="0" smtClean="0"/>
-              <a:t>录制和</a:t>
-            </a:r>
-            <a:r>
-              <a:rPr lang="en-US" altLang="zh-CN" dirty="0" smtClean="0"/>
-              <a:t>JMeter</a:t>
-            </a:r>
-            <a:r>
-              <a:rPr lang="zh-CN" altLang="en-US" dirty="0" smtClean="0"/>
-              <a:t>使用代理方式录制</a:t>
-            </a:r>
-            <a:endParaRPr lang="en-US" altLang="zh-CN" dirty="0" smtClean="0"/>
-          </a:p>
-          <a:p>
-            <a:r>
-              <a:rPr lang="zh-CN" altLang="en-US" dirty="0" smtClean="0"/>
-              <a:t>运行场景</a:t>
-            </a:r>
-            <a:endParaRPr lang="en-US" altLang="zh-CN" dirty="0" smtClean="0"/>
-          </a:p>
-          <a:p>
-            <a:r>
-              <a:rPr lang="zh-CN" altLang="en-US" dirty="0" smtClean="0"/>
-              <a:t>查看监控</a:t>
-            </a:r>
-            <a:endParaRPr lang="en-US" altLang="zh-CN" dirty="0" smtClean="0"/>
-          </a:p>
-          <a:p>
-            <a:endParaRPr lang="en-US" altLang="zh-CN" dirty="0" smtClean="0"/>
-          </a:p>
-          <a:p>
-            <a:endParaRPr lang="zh-CN" altLang="en-US" dirty="0"/>
-          </a:p>
-        </p:txBody>
-      </p:sp>
-      <p:sp>
-        <p:nvSpPr>
-          <p:cNvPr id="2" name="标题 1"/>
-          <p:cNvSpPr>
-            <a:spLocks noGrp="1"/>
-          </p:cNvSpPr>
-          <p:nvPr>
-            <p:ph type="title"/>
-          </p:nvPr>
-        </p:nvSpPr>
-        <p:spPr/>
-        <p:txBody>
-          <a:bodyPr>
-            <a:normAutofit fontScale="90000"/>
-          </a:bodyPr>
-          <a:lstStyle/>
-          <a:p>
-            <a:r>
-              <a:rPr lang="en-US" altLang="zh-CN" dirty="0" smtClean="0"/>
-              <a:t>JMeter</a:t>
-            </a:r>
-            <a:r>
-              <a:rPr lang="zh-CN" altLang="en-US" dirty="0" smtClean="0"/>
-              <a:t>使用初体验</a:t>
-            </a:r>
-            <a:endParaRPr lang="zh-CN" altLang="en-US" dirty="0"/>
-          </a:p>
-        </p:txBody>
-      </p:sp>
-    </p:spTree>
-    <p:extLst>
-      <p:ext uri="{BB962C8B-B14F-4D97-AF65-F5344CB8AC3E}">
-        <p14:creationId xmlns:p14="http://schemas.microsoft.com/office/powerpoint/2010/main" val="1722849567"/>
-      </p:ext>
-    </p:extLst>
-  </p:cSld>
-  <p:clrMapOvr>
-    <a:masterClrMapping/>
-  </p:clrMapOvr>
-  <p:timing>
-    <p:tnLst>
-      <p:par>
-        <p:cTn id="1" dur="indefinite" restart="never" nodeType="tmRoot">
-          <p:childTnLst>
-            <p:seq concurrent="1" nextAc="seek">
-              <p:cTn id="2" dur="indefinite" nodeType="mainSeq">
-                <p:childTnLst>
-                  <p:par>
-                    <p:cTn id="3" fill="hold">
-                      <p:stCondLst>
-                        <p:cond delay="indefinite"/>
-                      </p:stCondLst>
-                      <p:childTnLst>
-                        <p:par>
-                          <p:cTn id="4" fill="hold">
-                            <p:stCondLst>
-                              <p:cond delay="0"/>
-                            </p:stCondLst>
-                            <p:childTnLst>
-                              <p:par>
-                                <p:cTn id="5" presetID="2" presetClass="entr" presetSubtype="4" fill="hold" nodeType="clickEffect">
-                                  <p:stCondLst>
-                                    <p:cond delay="0"/>
-                                  </p:stCondLst>
-                                  <p:childTnLst>
-                                    <p:set>
-                                      <p:cBhvr>
-                                        <p:cTn id="6" dur="1" fill="hold">
-                                          <p:stCondLst>
-                                            <p:cond delay="0"/>
-                                          </p:stCondLst>
-                                        </p:cTn>
-                                        <p:tgtEl>
-                                          <p:spTgt spid="3">
-                                            <p:txEl>
-                                              <p:pRg st="0" end="0"/>
-                                            </p:txEl>
-                                          </p:spTgt>
-                                        </p:tgtEl>
-                                        <p:attrNameLst>
-                                          <p:attrName>style.visibility</p:attrName>
-                                        </p:attrNameLst>
-                                      </p:cBhvr>
-                                      <p:to>
-                                        <p:strVal val="visible"/>
-                                      </p:to>
-                                    </p:set>
-                                    <p:anim calcmode="lin" valueType="num">
-                                      <p:cBhvr additive="base">
-                                        <p:cTn id="7" dur="500" fill="hold"/>
-                                        <p:tgtEl>
-                                          <p:spTgt spid="3">
-                                            <p:txEl>
-                                              <p:pRg st="0" end="0"/>
-                                            </p:txEl>
-                                          </p:spTgt>
-                                        </p:tgtEl>
-                                        <p:attrNameLst>
-                                          <p:attrName>ppt_x</p:attrName>
-                                        </p:attrNameLst>
-                                      </p:cBhvr>
-                                      <p:tavLst>
-                                        <p:tav tm="0">
-                                          <p:val>
-                                            <p:strVal val="#ppt_x"/>
-                                          </p:val>
-                                        </p:tav>
-                                        <p:tav tm="100000">
-                                          <p:val>
-                                            <p:strVal val="#ppt_x"/>
-                                          </p:val>
-                                        </p:tav>
-                                      </p:tavLst>
-                                    </p:anim>
-                                    <p:anim calcmode="lin" valueType="num">
-                                      <p:cBhvr additive="base">
-                                        <p:cTn id="8" dur="500" fill="hold"/>
-                                        <p:tgtEl>
-                                          <p:spTgt spid="3">
-                                            <p:txEl>
-                                              <p:pRg st="0" end="0"/>
-                                            </p:txEl>
-                                          </p:spTgt>
-                                        </p:tgtEl>
-                                        <p:attrNameLst>
-                                          <p:attrName>ppt_y</p:attrName>
-                                        </p:attrNameLst>
-                                      </p:cBhvr>
-                                      <p:tavLst>
-                                        <p:tav tm="0">
-                                          <p:val>
-                                            <p:strVal val="1+#ppt_h/2"/>
-                                          </p:val>
-                                        </p:tav>
-                                        <p:tav tm="100000">
-                                          <p:val>
-                                            <p:strVal val="#ppt_y"/>
-                                          </p:val>
-                                        </p:tav>
-                                      </p:tavLst>
-                                    </p:anim>
-                                  </p:childTnLst>
-                                </p:cTn>
-                              </p:par>
-                            </p:childTnLst>
-                          </p:cTn>
-                        </p:par>
-                      </p:childTnLst>
-                    </p:cTn>
-                  </p:par>
-                  <p:par>
-                    <p:cTn id="9" fill="hold">
-                      <p:stCondLst>
-                        <p:cond delay="indefinite"/>
-                      </p:stCondLst>
-                      <p:childTnLst>
-                        <p:par>
-                          <p:cTn id="10" fill="hold">
-                            <p:stCondLst>
-                              <p:cond delay="0"/>
-                            </p:stCondLst>
-                            <p:childTnLst>
-                              <p:par>
-                                <p:cTn id="11" presetID="2" presetClass="entr" presetSubtype="4" fill="hold" nodeType="clickEffect">
-                                  <p:stCondLst>
-                                    <p:cond delay="0"/>
-                                  </p:stCondLst>
-                                  <p:childTnLst>
-                                    <p:set>
-                                      <p:cBhvr>
-                                        <p:cTn id="12" dur="1" fill="hold">
-                                          <p:stCondLst>
-                                            <p:cond delay="0"/>
-                                          </p:stCondLst>
-                                        </p:cTn>
-                                        <p:tgtEl>
-                                          <p:spTgt spid="3">
-                                            <p:txEl>
-                                              <p:pRg st="1" end="1"/>
-                                            </p:txEl>
-                                          </p:spTgt>
-                                        </p:tgtEl>
-                                        <p:attrNameLst>
-                                          <p:attrName>style.visibility</p:attrName>
-                                        </p:attrNameLst>
-                                      </p:cBhvr>
-                                      <p:to>
-                                        <p:strVal val="visible"/>
-                                      </p:to>
-                                    </p:set>
-                                    <p:anim calcmode="lin" valueType="num">
-                                      <p:cBhvr additive="base">
-                                        <p:cTn id="13" dur="500" fill="hold"/>
-                                        <p:tgtEl>
-                                          <p:spTgt spid="3">
-                                            <p:txEl>
-                                              <p:pRg st="1" end="1"/>
-                                            </p:txEl>
-                                          </p:spTgt>
-                                        </p:tgtEl>
-                                        <p:attrNameLst>
-                                          <p:attrName>ppt_x</p:attrName>
-                                        </p:attrNameLst>
-                                      </p:cBhvr>
-                                      <p:tavLst>
-                                        <p:tav tm="0">
-                                          <p:val>
-                                            <p:strVal val="#ppt_x"/>
-                                          </p:val>
-                                        </p:tav>
-                                        <p:tav tm="100000">
-                                          <p:val>
-                                            <p:strVal val="#ppt_x"/>
-                                          </p:val>
-                                        </p:tav>
-                                      </p:tavLst>
-                                    </p:anim>
-                                    <p:anim calcmode="lin" valueType="num">
-                                      <p:cBhvr additive="base">
-                                        <p:cTn id="14" dur="500" fill="hold"/>
-                                        <p:tgtEl>
-                                          <p:spTgt spid="3">
-                                            <p:txEl>
-                                              <p:pRg st="1" end="1"/>
-                                            </p:txEl>
-                                          </p:spTgt>
-                                        </p:tgtEl>
-                                        <p:attrNameLst>
-                                          <p:attrName>ppt_y</p:attrName>
-                                        </p:attrNameLst>
-                                      </p:cBhvr>
-                                      <p:tavLst>
-                                        <p:tav tm="0">
-                                          <p:val>
-                                            <p:strVal val="1+#ppt_h/2"/>
-                                          </p:val>
-                                        </p:tav>
-                                        <p:tav tm="100000">
-                                          <p:val>
-                                            <p:strVal val="#ppt_y"/>
-                                          </p:val>
-                                        </p:tav>
-                                      </p:tavLst>
-                                    </p:anim>
-                                  </p:childTnLst>
-                                </p:cTn>
-                              </p:par>
-                            </p:childTnLst>
-                          </p:cTn>
-                        </p:par>
-                      </p:childTnLst>
-                    </p:cTn>
-                  </p:par>
-                  <p:par>
-                    <p:cTn id="15" fill="hold">
-                      <p:stCondLst>
-                        <p:cond delay="indefinite"/>
-                      </p:stCondLst>
-                      <p:childTnLst>
-                        <p:par>
-                          <p:cTn id="16" fill="hold">
-                            <p:stCondLst>
-                              <p:cond delay="0"/>
-                            </p:stCondLst>
-                            <p:childTnLst>
-                              <p:par>
-                                <p:cTn id="17" presetID="2" presetClass="entr" presetSubtype="4" fill="hold" nodeType="clickEffect">
-                                  <p:stCondLst>
-                                    <p:cond delay="0"/>
-                                  </p:stCondLst>
-                                  <p:childTnLst>
-                                    <p:set>
-                                      <p:cBhvr>
-                                        <p:cTn id="18" dur="1" fill="hold">
-                                          <p:stCondLst>
-                                            <p:cond delay="0"/>
-                                          </p:stCondLst>
-                                        </p:cTn>
-                                        <p:tgtEl>
-                                          <p:spTgt spid="3">
-                                            <p:txEl>
-                                              <p:pRg st="2" end="2"/>
-                                            </p:txEl>
-                                          </p:spTgt>
-                                        </p:tgtEl>
-                                        <p:attrNameLst>
-                                          <p:attrName>style.visibility</p:attrName>
-                                        </p:attrNameLst>
-                                      </p:cBhvr>
-                                      <p:to>
-                                        <p:strVal val="visible"/>
-                                      </p:to>
-                                    </p:set>
-                                    <p:anim calcmode="lin" valueType="num">
-                                      <p:cBhvr additive="base">
-                                        <p:cTn id="19" dur="500" fill="hold"/>
-                                        <p:tgtEl>
-                                          <p:spTgt spid="3">
-                                            <p:txEl>
-                                              <p:pRg st="2" end="2"/>
-                                            </p:txEl>
-                                          </p:spTgt>
-                                        </p:tgtEl>
-                                        <p:attrNameLst>
-                                          <p:attrName>ppt_x</p:attrName>
-                                        </p:attrNameLst>
-                                      </p:cBhvr>
-                                      <p:tavLst>
-                                        <p:tav tm="0">
-                                          <p:val>
-                                            <p:strVal val="#ppt_x"/>
-                                          </p:val>
-                                        </p:tav>
-                                        <p:tav tm="100000">
-                                          <p:val>
-                                            <p:strVal val="#ppt_x"/>
-                                          </p:val>
-                                        </p:tav>
-                                      </p:tavLst>
-                                    </p:anim>
-                                    <p:anim calcmode="lin" valueType="num">
-                                      <p:cBhvr additive="base">
-                                        <p:cTn id="20" dur="500" fill="hold"/>
-                                        <p:tgtEl>
-                                          <p:spTgt spid="3">
-                                            <p:txEl>
-                                              <p:pRg st="2" end="2"/>
-                                            </p:txEl>
-                                          </p:spTgt>
-                                        </p:tgtEl>
-                                        <p:attrNameLst>
-                                          <p:attrName>ppt_y</p:attrName>
-                                        </p:attrNameLst>
-                                      </p:cBhvr>
-                                      <p:tavLst>
-                                        <p:tav tm="0">
-                                          <p:val>
-                                            <p:strVal val="1+#ppt_h/2"/>
-                                          </p:val>
-                                        </p:tav>
-                                        <p:tav tm="100000">
-                                          <p:val>
-                                            <p:strVal val="#ppt_y"/>
-                                          </p:val>
-                                        </p:tav>
-                                      </p:tavLst>
-                                    </p:anim>
-                                  </p:childTnLst>
-                                </p:cTn>
-                              </p:par>
-                            </p:childTnLst>
-                          </p:cTn>
-                        </p:par>
-                      </p:childTnLst>
-                    </p:cTn>
-                  </p:par>
-                  <p:par>
-                    <p:cTn id="21" fill="hold">
-                      <p:stCondLst>
-                        <p:cond delay="indefinite"/>
-                      </p:stCondLst>
-                      <p:childTnLst>
-                        <p:par>
-                          <p:cTn id="22" fill="hold">
-                            <p:stCondLst>
-                              <p:cond delay="0"/>
-                            </p:stCondLst>
-                            <p:childTnLst>
-                              <p:par>
-                                <p:cTn id="23" presetID="2" presetClass="entr" presetSubtype="4" fill="hold" nodeType="clickEffect">
-                                  <p:stCondLst>
-                                    <p:cond delay="0"/>
-                                  </p:stCondLst>
-                                  <p:childTnLst>
-                                    <p:set>
-                                      <p:cBhvr>
-                                        <p:cTn id="24" dur="1" fill="hold">
-                                          <p:stCondLst>
-                                            <p:cond delay="0"/>
-                                          </p:stCondLst>
-                                        </p:cTn>
-                                        <p:tgtEl>
-                                          <p:spTgt spid="3">
-                                            <p:txEl>
-                                              <p:pRg st="3" end="3"/>
-                                            </p:txEl>
-                                          </p:spTgt>
-                                        </p:tgtEl>
-                                        <p:attrNameLst>
-                                          <p:attrName>style.visibility</p:attrName>
-                                        </p:attrNameLst>
-                                      </p:cBhvr>
-                                      <p:to>
-                                        <p:strVal val="visible"/>
-                                      </p:to>
-                                    </p:set>
-                                    <p:anim calcmode="lin" valueType="num">
-                                      <p:cBhvr additive="base">
-                                        <p:cTn id="25" dur="500" fill="hold"/>
-                                        <p:tgtEl>
-                                          <p:spTgt spid="3">
-                                            <p:txEl>
-                                              <p:pRg st="3" end="3"/>
-                                            </p:txEl>
-                                          </p:spTgt>
-                                        </p:tgtEl>
-                                        <p:attrNameLst>
-                                          <p:attrName>ppt_x</p:attrName>
-                                        </p:attrNameLst>
-                                      </p:cBhvr>
-                                      <p:tavLst>
-                                        <p:tav tm="0">
-                                          <p:val>
-                                            <p:strVal val="#ppt_x"/>
-                                          </p:val>
-                                        </p:tav>
-                                        <p:tav tm="100000">
-                                          <p:val>
-                                            <p:strVal val="#ppt_x"/>
-                                          </p:val>
-                                        </p:tav>
-                                      </p:tavLst>
-                                    </p:anim>
-                                    <p:anim calcmode="lin" valueType="num">
-                                      <p:cBhvr additive="base">
-                                        <p:cTn id="26" dur="500" fill="hold"/>
-                                        <p:tgtEl>
-                                          <p:spTgt spid="3">
-                                            <p:txEl>
-                                              <p:pRg st="3" end="3"/>
-                                            </p:txEl>
-                                          </p:spTgt>
-                                        </p:tgtEl>
-                                        <p:attrNameLst>
-                                          <p:attrName>ppt_y</p:attrName>
-                                        </p:attrNameLst>
-                                      </p:cBhvr>
-                                      <p:tavLst>
-                                        <p:tav tm="0">
-                                          <p:val>
-                                            <p:strVal val="1+#ppt_h/2"/>
-                                          </p:val>
-                                        </p:tav>
-                                        <p:tav tm="100000">
-                                          <p:val>
-                                            <p:strVal val="#ppt_y"/>
-                                          </p:val>
-                                        </p:tav>
-                                      </p:tavLst>
-                                    </p:anim>
-                                  </p:childTnLst>
-                                </p:cTn>
-                              </p:par>
-                            </p:childTnLst>
-                          </p:cTn>
-                        </p:par>
-                      </p:childTnLst>
-                    </p:cTn>
-                  </p:par>
-                  <p:par>
-                    <p:cTn id="27" fill="hold">
-                      <p:stCondLst>
-                        <p:cond delay="indefinite"/>
-                      </p:stCondLst>
-                      <p:childTnLst>
-                        <p:par>
-                          <p:cTn id="28" fill="hold">
-                            <p:stCondLst>
-                              <p:cond delay="0"/>
-                            </p:stCondLst>
-                            <p:childTnLst>
-                              <p:par>
-                                <p:cTn id="29" presetID="2" presetClass="entr" presetSubtype="4" fill="hold" nodeType="clickEffect">
-                                  <p:stCondLst>
-                                    <p:cond delay="0"/>
-                                  </p:stCondLst>
-                                  <p:childTnLst>
-                                    <p:set>
-                                      <p:cBhvr>
-                                        <p:cTn id="30" dur="1" fill="hold">
-                                          <p:stCondLst>
-                                            <p:cond delay="0"/>
-                                          </p:stCondLst>
-                                        </p:cTn>
-                                        <p:tgtEl>
-                                          <p:spTgt spid="3">
-                                            <p:txEl>
-                                              <p:pRg st="4" end="4"/>
-                                            </p:txEl>
-                                          </p:spTgt>
-                                        </p:tgtEl>
-                                        <p:attrNameLst>
-                                          <p:attrName>style.visibility</p:attrName>
-                                        </p:attrNameLst>
-                                      </p:cBhvr>
-                                      <p:to>
-                                        <p:strVal val="visible"/>
-                                      </p:to>
-                                    </p:set>
-                                    <p:anim calcmode="lin" valueType="num">
-                                      <p:cBhvr additive="base">
-                                        <p:cTn id="31" dur="500" fill="hold"/>
-                                        <p:tgtEl>
-                                          <p:spTgt spid="3">
-                                            <p:txEl>
-                                              <p:pRg st="4" end="4"/>
-                                            </p:txEl>
-                                          </p:spTgt>
-                                        </p:tgtEl>
-                                        <p:attrNameLst>
-                                          <p:attrName>ppt_x</p:attrName>
-                                        </p:attrNameLst>
-                                      </p:cBhvr>
-                                      <p:tavLst>
-                                        <p:tav tm="0">
-                                          <p:val>
-                                            <p:strVal val="#ppt_x"/>
-                                          </p:val>
-                                        </p:tav>
-                                        <p:tav tm="100000">
-                                          <p:val>
-                                            <p:strVal val="#ppt_x"/>
-                                          </p:val>
-                                        </p:tav>
-                                      </p:tavLst>
-                                    </p:anim>
-                                    <p:anim calcmode="lin" valueType="num">
-                                      <p:cBhvr additive="base">
-                                        <p:cTn id="32" dur="500" fill="hold"/>
-                                        <p:tgtEl>
-                                          <p:spTgt spid="3">
-                                            <p:txEl>
-                                              <p:pRg st="4" end="4"/>
-                                            </p:txEl>
-                                          </p:spTgt>
-                                        </p:tgtEl>
-                                        <p:attrNameLst>
-                                          <p:attrName>ppt_y</p:attrName>
-                                        </p:attrNameLst>
-                                      </p:cBhvr>
-                                      <p:tavLst>
-                                        <p:tav tm="0">
-                                          <p:val>
-                                            <p:strVal val="1+#ppt_h/2"/>
-                                          </p:val>
-                                        </p:tav>
-                                        <p:tav tm="100000">
-                                          <p:val>
-                                            <p:strVal val="#ppt_y"/>
-                                          </p:val>
-                                        </p:tav>
-                                      </p:tavLst>
-                                    </p:anim>
-                                  </p:childTnLst>
-                                </p:cTn>
-                              </p:par>
-                            </p:childTnLst>
-                          </p:cTn>
-                        </p:par>
-                      </p:childTnLst>
-                    </p:cTn>
-                  </p:par>
-                  <p:par>
-                    <p:cTn id="33" fill="hold">
-                      <p:stCondLst>
-                        <p:cond delay="indefinite"/>
-                      </p:stCondLst>
-                      <p:childTnLst>
-                        <p:par>
-                          <p:cTn id="34" fill="hold">
-                            <p:stCondLst>
-                              <p:cond delay="0"/>
-                            </p:stCondLst>
-                            <p:childTnLst>
-                              <p:par>
-                                <p:cTn id="35" presetID="2" presetClass="entr" presetSubtype="4" fill="hold" nodeType="clickEffect">
-                                  <p:stCondLst>
-                                    <p:cond delay="0"/>
-                                  </p:stCondLst>
-                                  <p:childTnLst>
-                                    <p:set>
-                                      <p:cBhvr>
-                                        <p:cTn id="36" dur="1" fill="hold">
-                                          <p:stCondLst>
-                                            <p:cond delay="0"/>
-                                          </p:stCondLst>
-                                        </p:cTn>
-                                        <p:tgtEl>
-                                          <p:spTgt spid="3">
-                                            <p:txEl>
-                                              <p:pRg st="5" end="5"/>
-                                            </p:txEl>
-                                          </p:spTgt>
-                                        </p:tgtEl>
-                                        <p:attrNameLst>
-                                          <p:attrName>style.visibility</p:attrName>
-                                        </p:attrNameLst>
-                                      </p:cBhvr>
-                                      <p:to>
-                                        <p:strVal val="visible"/>
-                                      </p:to>
-                                    </p:set>
-                                    <p:anim calcmode="lin" valueType="num">
-                                      <p:cBhvr additive="base">
-                                        <p:cTn id="37" dur="500" fill="hold"/>
-                                        <p:tgtEl>
-                                          <p:spTgt spid="3">
-                                            <p:txEl>
-                                              <p:pRg st="5" end="5"/>
-                                            </p:txEl>
-                                          </p:spTgt>
-                                        </p:tgtEl>
-                                        <p:attrNameLst>
-                                          <p:attrName>ppt_x</p:attrName>
-                                        </p:attrNameLst>
-                                      </p:cBhvr>
-                                      <p:tavLst>
-                                        <p:tav tm="0">
-                                          <p:val>
-                                            <p:strVal val="#ppt_x"/>
-                                          </p:val>
-                                        </p:tav>
-                                        <p:tav tm="100000">
-                                          <p:val>
-                                            <p:strVal val="#ppt_x"/>
-                                          </p:val>
-                                        </p:tav>
-                                      </p:tavLst>
-                                    </p:anim>
-                                    <p:anim calcmode="lin" valueType="num">
-                                      <p:cBhvr additive="base">
-                                        <p:cTn id="38" dur="500" fill="hold"/>
-                                        <p:tgtEl>
-                                          <p:spTgt spid="3">
-                                            <p:txEl>
-                                              <p:pRg st="5" end="5"/>
-                                            </p:txEl>
-                                          </p:spTgt>
-                                        </p:tgtEl>
-                                        <p:attrNameLst>
-                                          <p:attrName>ppt_y</p:attrName>
-                                        </p:attrNameLst>
-                                      </p:cBhvr>
-                                      <p:tavLst>
-                                        <p:tav tm="0">
-                                          <p:val>
-                                            <p:strVal val="1+#ppt_h/2"/>
-                                          </p:val>
-                                        </p:tav>
-                                        <p:tav tm="100000">
-                                          <p:val>
-                                            <p:strVal val="#ppt_y"/>
-                                          </p:val>
-                                        </p:tav>
-                                      </p:tavLst>
-                                    </p:anim>
-                                  </p:childTnLst>
-                                </p:cTn>
-                              </p:par>
-                            </p:childTnLst>
-                          </p:cTn>
-                        </p:par>
-                      </p:childTnLst>
-                    </p:cTn>
-                  </p:par>
-                </p:childTnLst>
-              </p:cTn>
-              <p:prevCondLst>
-                <p:cond evt="onPrev" delay="0">
-                  <p:tgtEl>
-                    <p:sldTgt/>
-                  </p:tgtEl>
-                </p:cond>
-              </p:prevCondLst>
-              <p:nextCondLst>
-                <p:cond evt="onNext" delay="0">
-                  <p:tgtEl>
-                    <p:sldTgt/>
-                  </p:tgtEl>
-                </p:cond>
-              </p:nextCondLst>
-            </p:seq>
-          </p:childTnLst>
-        </p:cTn>
-      </p:par>
-    </p:tnLst>
-  </p:timing>
-</p:sld>
-</file>
-
-<file path=ppt/slides/slide24.xml><?xml version="1.0" encoding="utf-8"?>
-<p:sld xmlns:a="http://schemas.openxmlformats.org/drawingml/2006/main" xmlns:r="http://schemas.openxmlformats.org/officeDocument/2006/relationships" xmlns:p="http://schemas.openxmlformats.org/presentationml/2006/main">
-  <p:cSld>
-    <p:spTree>
-      <p:nvGrpSpPr>
-        <p:cNvPr id="1" name=""/>
-        <p:cNvGrpSpPr/>
-        <p:nvPr/>
-      </p:nvGrpSpPr>
-      <p:grpSpPr>
-        <a:xfrm>
-          <a:off x="0" y="0"/>
-          <a:ext cx="0" cy="0"/>
-          <a:chOff x="0" y="0"/>
-          <a:chExt cx="0" cy="0"/>
-        </a:xfrm>
-      </p:grpSpPr>
-      <p:sp>
-        <p:nvSpPr>
-          <p:cNvPr id="3" name="内容占位符 2"/>
-          <p:cNvSpPr>
-            <a:spLocks noGrp="1"/>
-          </p:cNvSpPr>
-          <p:nvPr>
-            <p:ph idx="1"/>
-          </p:nvPr>
-        </p:nvSpPr>
-        <p:spPr/>
-        <p:txBody>
-          <a:bodyPr>
             <a:normAutofit fontScale="92500" lnSpcReduction="10000"/>
           </a:bodyPr>
           <a:lstStyle/>
@@ -10679,7 +9884,7 @@
 </p:sld>
 </file>
 
-<file path=ppt/slides/slide25.xml><?xml version="1.0" encoding="utf-8"?>
+<file path=ppt/slides/slide24.xml><?xml version="1.0" encoding="utf-8"?>
 <p:sld xmlns:a="http://schemas.openxmlformats.org/drawingml/2006/main" xmlns:r="http://schemas.openxmlformats.org/officeDocument/2006/relationships" xmlns:p="http://schemas.openxmlformats.org/presentationml/2006/main">
   <p:cSld>
     <p:spTree>
@@ -10803,10 +10008,17 @@
   <p:clrMapOvr>
     <a:masterClrMapping/>
   </p:clrMapOvr>
+  <p:timing>
+    <p:tnLst>
+      <p:par>
+        <p:cTn id="1" dur="indefinite" restart="never" nodeType="tmRoot"/>
+      </p:par>
+    </p:tnLst>
+  </p:timing>
 </p:sld>
 </file>
 
-<file path=ppt/slides/slide26.xml><?xml version="1.0" encoding="utf-8"?>
+<file path=ppt/slides/slide25.xml><?xml version="1.0" encoding="utf-8"?>
 <p:sld xmlns:a="http://schemas.openxmlformats.org/drawingml/2006/main" xmlns:r="http://schemas.openxmlformats.org/officeDocument/2006/relationships" xmlns:p="http://schemas.openxmlformats.org/presentationml/2006/main">
   <p:cSld>
     <p:spTree>
@@ -11268,7 +10480,7 @@
 </p:sld>
 </file>
 
-<file path=ppt/slides/slide27.xml><?xml version="1.0" encoding="utf-8"?>
+<file path=ppt/slides/slide26.xml><?xml version="1.0" encoding="utf-8"?>
 <p:sld xmlns:a="http://schemas.openxmlformats.org/drawingml/2006/main" xmlns:r="http://schemas.openxmlformats.org/officeDocument/2006/relationships" xmlns:p="http://schemas.openxmlformats.org/presentationml/2006/main">
   <p:cSld>
     <p:spTree>
@@ -11647,6 +10859,353 @@
     <p:extLst>
       <p:ext uri="{BB962C8B-B14F-4D97-AF65-F5344CB8AC3E}">
         <p14:creationId xmlns:p14="http://schemas.microsoft.com/office/powerpoint/2010/main" val="4228570807"/>
+      </p:ext>
+    </p:extLst>
+  </p:cSld>
+  <p:clrMapOvr>
+    <a:masterClrMapping/>
+  </p:clrMapOvr>
+  <p:timing>
+    <p:tnLst>
+      <p:par>
+        <p:cTn id="1" dur="indefinite" restart="never" nodeType="tmRoot"/>
+      </p:par>
+    </p:tnLst>
+  </p:timing>
+</p:sld>
+</file>
+
+<file path=ppt/slides/slide27.xml><?xml version="1.0" encoding="utf-8"?>
+<p:sld xmlns:a="http://schemas.openxmlformats.org/drawingml/2006/main" xmlns:r="http://schemas.openxmlformats.org/officeDocument/2006/relationships" xmlns:p="http://schemas.openxmlformats.org/presentationml/2006/main">
+  <p:cSld>
+    <p:spTree>
+      <p:nvGrpSpPr>
+        <p:cNvPr id="1" name=""/>
+        <p:cNvGrpSpPr/>
+        <p:nvPr/>
+      </p:nvGrpSpPr>
+      <p:grpSpPr>
+        <a:xfrm>
+          <a:off x="0" y="0"/>
+          <a:ext cx="0" cy="0"/>
+          <a:chOff x="0" y="0"/>
+          <a:chExt cx="0" cy="0"/>
+        </a:xfrm>
+      </p:grpSpPr>
+      <p:sp>
+        <p:nvSpPr>
+          <p:cNvPr id="2" name="内容占位符 1"/>
+          <p:cNvSpPr>
+            <a:spLocks noGrp="1"/>
+          </p:cNvSpPr>
+          <p:nvPr>
+            <p:ph idx="1"/>
+          </p:nvPr>
+        </p:nvSpPr>
+        <p:spPr>
+          <a:xfrm>
+            <a:off x="395536" y="735546"/>
+            <a:ext cx="8229600" cy="4050450"/>
+          </a:xfrm>
+        </p:spPr>
+        <p:txBody>
+          <a:bodyPr>
+            <a:noAutofit/>
+          </a:bodyPr>
+          <a:lstStyle/>
+          <a:p>
+            <a:pPr>
+              <a:spcBef>
+                <a:spcPts val="1000"/>
+              </a:spcBef>
+            </a:pPr>
+            <a:r>
+              <a:rPr lang="en-US" altLang="zh-CN" sz="2200" dirty="0">
+                <a:latin typeface="+mn-ea"/>
+              </a:rPr>
+              <a:t>Use keep Alive</a:t>
+            </a:r>
+            <a:r>
+              <a:rPr lang="zh-CN" altLang="en-US" sz="2200" dirty="0">
+                <a:latin typeface="+mn-ea"/>
+              </a:rPr>
+              <a:t>：当该选项被选中时</a:t>
+            </a:r>
+            <a:r>
+              <a:rPr lang="zh-CN" altLang="en-US" sz="2200" dirty="0" smtClean="0">
+                <a:latin typeface="+mn-ea"/>
+              </a:rPr>
+              <a:t>，</a:t>
+            </a:r>
+            <a:r>
+              <a:rPr lang="en-US" altLang="zh-CN" sz="2200" dirty="0" smtClean="0">
+                <a:latin typeface="+mn-ea"/>
+              </a:rPr>
+              <a:t>JMeter</a:t>
+            </a:r>
+            <a:r>
+              <a:rPr lang="zh-CN" altLang="en-US" sz="2200" dirty="0" smtClean="0">
+                <a:latin typeface="+mn-ea"/>
+              </a:rPr>
+              <a:t>和</a:t>
+            </a:r>
+            <a:r>
+              <a:rPr lang="zh-CN" altLang="en-US" sz="2200" dirty="0">
+                <a:latin typeface="+mn-ea"/>
+              </a:rPr>
+              <a:t>目标服务器之间是有</a:t>
+            </a:r>
+            <a:r>
+              <a:rPr lang="en-US" altLang="zh-CN" sz="2200" dirty="0">
+                <a:latin typeface="+mn-ea"/>
+              </a:rPr>
+              <a:t>Keep-Alive</a:t>
+            </a:r>
+            <a:r>
+              <a:rPr lang="zh-CN" altLang="en-US" sz="2200" dirty="0">
+                <a:latin typeface="+mn-ea"/>
+              </a:rPr>
+              <a:t>方式进行</a:t>
+            </a:r>
+            <a:r>
+              <a:rPr lang="en-US" altLang="zh-CN" sz="2200" dirty="0">
+                <a:latin typeface="+mn-ea"/>
+              </a:rPr>
+              <a:t>HTTP</a:t>
+            </a:r>
+            <a:r>
+              <a:rPr lang="zh-CN" altLang="en-US" sz="2200" dirty="0">
+                <a:latin typeface="+mn-ea"/>
+              </a:rPr>
+              <a:t>通信，默认选中。</a:t>
+            </a:r>
+            <a:endParaRPr lang="en-US" altLang="zh-CN" sz="2200" dirty="0">
+              <a:latin typeface="+mn-ea"/>
+            </a:endParaRPr>
+          </a:p>
+          <a:p>
+            <a:pPr>
+              <a:spcBef>
+                <a:spcPts val="1000"/>
+              </a:spcBef>
+            </a:pPr>
+            <a:r>
+              <a:rPr lang="en-US" altLang="zh-CN" sz="2200" dirty="0">
+                <a:latin typeface="+mn-ea"/>
+              </a:rPr>
+              <a:t>Use multipart/from-data for HTTP</a:t>
+            </a:r>
+            <a:r>
+              <a:rPr lang="zh-CN" altLang="en-US" sz="2200" dirty="0">
+                <a:latin typeface="+mn-ea"/>
+              </a:rPr>
+              <a:t>　</a:t>
+            </a:r>
+            <a:r>
+              <a:rPr lang="en-US" altLang="zh-CN" sz="2200" dirty="0">
+                <a:latin typeface="+mn-ea"/>
+              </a:rPr>
+              <a:t>POST</a:t>
+            </a:r>
+            <a:r>
+              <a:rPr lang="zh-CN" altLang="en-US" sz="2200" dirty="0">
+                <a:latin typeface="+mn-ea"/>
+              </a:rPr>
+              <a:t>：当发送</a:t>
+            </a:r>
+            <a:r>
+              <a:rPr lang="en-US" altLang="zh-CN" sz="2200" dirty="0">
+                <a:latin typeface="+mn-ea"/>
+              </a:rPr>
+              <a:t>HTTP POST </a:t>
+            </a:r>
+            <a:r>
+              <a:rPr lang="zh-CN" altLang="en-US" sz="2200" dirty="0">
+                <a:latin typeface="+mn-ea"/>
+              </a:rPr>
+              <a:t>请求时，使用</a:t>
+            </a:r>
+            <a:r>
+              <a:rPr lang="en-US" altLang="zh-CN" sz="2200" dirty="0">
+                <a:latin typeface="+mn-ea"/>
+              </a:rPr>
+              <a:t>Use multipart/from-data </a:t>
+            </a:r>
+            <a:r>
+              <a:rPr lang="zh-CN" altLang="en-US" sz="2200" dirty="0">
+                <a:latin typeface="+mn-ea"/>
+              </a:rPr>
+              <a:t>发送，默认不选中。</a:t>
+            </a:r>
+            <a:endParaRPr lang="en-US" altLang="zh-CN" sz="2200" dirty="0">
+              <a:latin typeface="+mn-ea"/>
+            </a:endParaRPr>
+          </a:p>
+          <a:p>
+            <a:pPr>
+              <a:spcBef>
+                <a:spcPts val="1000"/>
+              </a:spcBef>
+            </a:pPr>
+            <a:r>
+              <a:rPr lang="zh-CN" altLang="en-US" sz="2200" dirty="0">
+                <a:latin typeface="+mn-ea"/>
+              </a:rPr>
+              <a:t>同请求一起发送参数：在请求中发送</a:t>
+            </a:r>
+            <a:r>
+              <a:rPr lang="en-US" altLang="zh-CN" sz="2200" dirty="0">
+                <a:latin typeface="+mn-ea"/>
+              </a:rPr>
+              <a:t>URL</a:t>
+            </a:r>
+            <a:r>
+              <a:rPr lang="zh-CN" altLang="en-US" sz="2200" dirty="0">
+                <a:latin typeface="+mn-ea"/>
+              </a:rPr>
+              <a:t>参数，对于带参数的</a:t>
+            </a:r>
+            <a:r>
+              <a:rPr lang="en-US" altLang="zh-CN" sz="2200" dirty="0">
+                <a:latin typeface="+mn-ea"/>
+              </a:rPr>
+              <a:t>URL</a:t>
+            </a:r>
+            <a:r>
+              <a:rPr lang="zh-CN" altLang="en-US" sz="2200" dirty="0" smtClean="0">
+                <a:latin typeface="+mn-ea"/>
+              </a:rPr>
+              <a:t>，</a:t>
+            </a:r>
+            <a:r>
+              <a:rPr lang="en-US" altLang="zh-CN" sz="2200" dirty="0" smtClean="0">
+                <a:latin typeface="+mn-ea"/>
+              </a:rPr>
+              <a:t>JMeter</a:t>
+            </a:r>
+            <a:r>
+              <a:rPr lang="zh-CN" altLang="en-US" sz="2200" dirty="0" smtClean="0">
+                <a:latin typeface="+mn-ea"/>
+              </a:rPr>
+              <a:t>提供</a:t>
+            </a:r>
+            <a:r>
+              <a:rPr lang="zh-CN" altLang="en-US" sz="2200" dirty="0">
+                <a:latin typeface="+mn-ea"/>
+              </a:rPr>
+              <a:t>了一个简单的对参数化的方法。用户可以将</a:t>
+            </a:r>
+            <a:r>
+              <a:rPr lang="en-US" altLang="zh-CN" sz="2200" dirty="0">
+                <a:latin typeface="+mn-ea"/>
+              </a:rPr>
+              <a:t>URL</a:t>
+            </a:r>
+            <a:r>
+              <a:rPr lang="zh-CN" altLang="en-US" sz="2200" dirty="0">
+                <a:latin typeface="+mn-ea"/>
+              </a:rPr>
+              <a:t>中所有参数设置在本表中，表中的每一行是一个参数值对（对应</a:t>
+            </a:r>
+            <a:r>
+              <a:rPr lang="en-US" altLang="zh-CN" sz="2200" dirty="0">
+                <a:latin typeface="+mn-ea"/>
+              </a:rPr>
+              <a:t>URL</a:t>
+            </a:r>
+            <a:r>
+              <a:rPr lang="zh-CN" altLang="en-US" sz="2200" dirty="0">
+                <a:latin typeface="+mn-ea"/>
+              </a:rPr>
+              <a:t>中的名称</a:t>
+            </a:r>
+            <a:r>
+              <a:rPr lang="en-US" altLang="zh-CN" sz="2200" dirty="0">
+                <a:latin typeface="+mn-ea"/>
+              </a:rPr>
+              <a:t>1=</a:t>
+            </a:r>
+            <a:r>
+              <a:rPr lang="zh-CN" altLang="en-US" sz="2200" dirty="0">
+                <a:latin typeface="+mn-ea"/>
+              </a:rPr>
+              <a:t>值</a:t>
+            </a:r>
+            <a:r>
+              <a:rPr lang="en-US" altLang="zh-CN" sz="2200" dirty="0">
+                <a:latin typeface="+mn-ea"/>
+              </a:rPr>
+              <a:t>1</a:t>
+            </a:r>
+            <a:r>
+              <a:rPr lang="zh-CN" altLang="en-US" sz="2200" dirty="0">
+                <a:latin typeface="+mn-ea"/>
+              </a:rPr>
+              <a:t>）</a:t>
+            </a:r>
+            <a:endParaRPr lang="en-US" altLang="zh-CN" sz="2200" dirty="0">
+              <a:latin typeface="+mn-ea"/>
+            </a:endParaRPr>
+          </a:p>
+          <a:p>
+            <a:pPr>
+              <a:spcBef>
+                <a:spcPts val="1000"/>
+              </a:spcBef>
+            </a:pPr>
+            <a:r>
+              <a:rPr lang="zh-CN" altLang="en-US" sz="2200" dirty="0">
+                <a:latin typeface="+mn-ea"/>
+              </a:rPr>
+              <a:t>同请求一起发送文件：在请求中发送文件，通常，</a:t>
+            </a:r>
+            <a:r>
+              <a:rPr lang="en-US" altLang="zh-CN" sz="2200" dirty="0">
+                <a:latin typeface="+mn-ea"/>
+              </a:rPr>
+              <a:t>HTTP</a:t>
+            </a:r>
+            <a:r>
+              <a:rPr lang="zh-CN" altLang="en-US" sz="2200" dirty="0">
+                <a:latin typeface="+mn-ea"/>
+              </a:rPr>
+              <a:t>文件上传行为可以通过这种方式模拟。</a:t>
+            </a:r>
+          </a:p>
+        </p:txBody>
+      </p:sp>
+      <p:sp>
+        <p:nvSpPr>
+          <p:cNvPr id="3" name="标题 2"/>
+          <p:cNvSpPr>
+            <a:spLocks noGrp="1"/>
+          </p:cNvSpPr>
+          <p:nvPr>
+            <p:ph type="title"/>
+          </p:nvPr>
+        </p:nvSpPr>
+        <p:spPr/>
+        <p:txBody>
+          <a:bodyPr>
+            <a:normAutofit fontScale="90000"/>
+          </a:bodyPr>
+          <a:lstStyle/>
+          <a:p>
+            <a:r>
+              <a:rPr lang="en-US" altLang="zh-CN" dirty="0"/>
+              <a:t>Http</a:t>
+            </a:r>
+            <a:r>
+              <a:rPr lang="zh-CN" altLang="en-US" dirty="0"/>
+              <a:t>请求设置</a:t>
+            </a:r>
+          </a:p>
+        </p:txBody>
+      </p:sp>
+    </p:spTree>
+    <p:extLst>
+      <p:ext uri="{BB962C8B-B14F-4D97-AF65-F5344CB8AC3E}">
+        <p14:creationId xmlns:p14="http://schemas.microsoft.com/office/powerpoint/2010/main" val="2011521927"/>
       </p:ext>
     </p:extLst>
   </p:cSld>
@@ -11692,8 +11251,8 @@
         </p:nvSpPr>
         <p:spPr>
           <a:xfrm>
-            <a:off x="395536" y="735546"/>
-            <a:ext cx="8229600" cy="4050450"/>
+            <a:off x="467544" y="483518"/>
+            <a:ext cx="8229600" cy="3394472"/>
           </a:xfrm>
         </p:spPr>
         <p:txBody>
@@ -11708,16 +11267,22 @@
               </a:spcBef>
             </a:pPr>
             <a:r>
+              <a:rPr lang="zh-CN" altLang="en-US" sz="2200" dirty="0">
+                <a:latin typeface="+mn-ea"/>
+              </a:rPr>
+              <a:t>从</a:t>
+            </a:r>
+            <a:r>
               <a:rPr lang="en-US" altLang="zh-CN" sz="2200" dirty="0">
                 <a:latin typeface="+mn-ea"/>
               </a:rPr>
-              <a:t>Use keep Alive</a:t>
+              <a:t>HTML</a:t>
             </a:r>
             <a:r>
               <a:rPr lang="zh-CN" altLang="en-US" sz="2200" dirty="0">
                 <a:latin typeface="+mn-ea"/>
               </a:rPr>
-              <a:t>：当该选项被选中时</a:t>
+              <a:t>文件获取所有内含的资源：选中时</a:t>
             </a:r>
             <a:r>
               <a:rPr lang="zh-CN" altLang="en-US" sz="2200" dirty="0" smtClean="0">
@@ -11735,37 +11300,85 @@
               <a:rPr lang="zh-CN" altLang="en-US" sz="2200" dirty="0" smtClean="0">
                 <a:latin typeface="+mn-ea"/>
               </a:rPr>
-              <a:t>和</a:t>
+              <a:t>在</a:t>
             </a:r>
             <a:r>
               <a:rPr lang="zh-CN" altLang="en-US" sz="2200" dirty="0">
                 <a:latin typeface="+mn-ea"/>
               </a:rPr>
-              <a:t>目标服务器之间是有</a:t>
+              <a:t>发出</a:t>
             </a:r>
             <a:r>
               <a:rPr lang="en-US" altLang="zh-CN" sz="2200" dirty="0">
                 <a:latin typeface="+mn-ea"/>
               </a:rPr>
-              <a:t>Keep-Alive</a:t>
+              <a:t>HTTP</a:t>
             </a:r>
             <a:r>
               <a:rPr lang="zh-CN" altLang="en-US" sz="2200" dirty="0">
                 <a:latin typeface="+mn-ea"/>
               </a:rPr>
-              <a:t>方式进行</a:t>
+              <a:t>请求并获得响应的</a:t>
             </a:r>
             <a:r>
               <a:rPr lang="en-US" altLang="zh-CN" sz="2200" dirty="0">
                 <a:latin typeface="+mn-ea"/>
               </a:rPr>
-              <a:t>HTTP</a:t>
+              <a:t>HTML</a:t>
             </a:r>
             <a:r>
               <a:rPr lang="zh-CN" altLang="en-US" sz="2200" dirty="0">
                 <a:latin typeface="+mn-ea"/>
               </a:rPr>
-              <a:t>通信，默认选中。</a:t>
+              <a:t>文件内容后，还对该</a:t>
+            </a:r>
+            <a:r>
+              <a:rPr lang="en-US" altLang="zh-CN" sz="2200" dirty="0">
+                <a:latin typeface="+mn-ea"/>
+              </a:rPr>
+              <a:t>HTML</a:t>
+            </a:r>
+            <a:r>
+              <a:rPr lang="zh-CN" altLang="en-US" sz="2200" dirty="0">
+                <a:latin typeface="+mn-ea"/>
+              </a:rPr>
+              <a:t>进行</a:t>
+            </a:r>
+            <a:r>
+              <a:rPr lang="en-US" altLang="zh-CN" sz="2200" dirty="0">
+                <a:latin typeface="+mn-ea"/>
+              </a:rPr>
+              <a:t>Parse</a:t>
+            </a:r>
+            <a:r>
+              <a:rPr lang="zh-CN" altLang="en-US" sz="2200" dirty="0">
+                <a:latin typeface="+mn-ea"/>
+              </a:rPr>
+              <a:t>并获取</a:t>
+            </a:r>
+            <a:r>
+              <a:rPr lang="en-US" altLang="zh-CN" sz="2200" dirty="0">
+                <a:latin typeface="+mn-ea"/>
+              </a:rPr>
+              <a:t>HTML</a:t>
+            </a:r>
+            <a:r>
+              <a:rPr lang="zh-CN" altLang="en-US" sz="2200" dirty="0">
+                <a:latin typeface="+mn-ea"/>
+              </a:rPr>
+              <a:t>中包含的资源。默认不选中，如果用户只需要获取页面中的特定资源，可以在下方中的</a:t>
+            </a:r>
+            <a:r>
+              <a:rPr lang="en-US" altLang="zh-CN" sz="2200" dirty="0">
+                <a:latin typeface="+mn-ea"/>
+              </a:rPr>
+              <a:t>URLs must match</a:t>
+            </a:r>
+            <a:r>
+              <a:rPr lang="zh-CN" altLang="en-US" sz="2200" dirty="0">
+                <a:latin typeface="+mn-ea"/>
+              </a:rPr>
+              <a:t>文本框中填入需要下载的特定资源表达式，这样，只有匹配成功的资源才会被下载。</a:t>
             </a:r>
             <a:endParaRPr lang="en-US" altLang="zh-CN" sz="2200" dirty="0">
               <a:latin typeface="+mn-ea"/>
@@ -11778,52 +11391,22 @@
               </a:spcBef>
             </a:pPr>
             <a:r>
+              <a:rPr lang="zh-CN" altLang="en-US" sz="2200" dirty="0">
+                <a:latin typeface="+mn-ea"/>
+              </a:rPr>
+              <a:t>用作监视器：此取样器被当成监视器，在</a:t>
+            </a:r>
+            <a:r>
               <a:rPr lang="en-US" altLang="zh-CN" sz="2200" dirty="0">
                 <a:latin typeface="+mn-ea"/>
               </a:rPr>
-              <a:t>Use multipart/from-data for HTTP</a:t>
+              <a:t>Monitor Results Listener</a:t>
             </a:r>
             <a:r>
               <a:rPr lang="zh-CN" altLang="en-US" sz="2200" dirty="0">
                 <a:latin typeface="+mn-ea"/>
               </a:rPr>
-              <a:t>　</a:t>
-            </a:r>
-            <a:r>
-              <a:rPr lang="en-US" altLang="zh-CN" sz="2200" dirty="0">
-                <a:latin typeface="+mn-ea"/>
-              </a:rPr>
-              <a:t>POST</a:t>
-            </a:r>
-            <a:r>
-              <a:rPr lang="zh-CN" altLang="en-US" sz="2200" dirty="0">
-                <a:latin typeface="+mn-ea"/>
-              </a:rPr>
-              <a:t>：当发送</a:t>
-            </a:r>
-            <a:r>
-              <a:rPr lang="en-US" altLang="zh-CN" sz="2200" dirty="0">
-                <a:latin typeface="+mn-ea"/>
-              </a:rPr>
-              <a:t>HTTP POST </a:t>
-            </a:r>
-            <a:r>
-              <a:rPr lang="zh-CN" altLang="en-US" sz="2200" dirty="0">
-                <a:latin typeface="+mn-ea"/>
-              </a:rPr>
-              <a:t>请求时，使用</a:t>
-            </a:r>
-            <a:r>
-              <a:rPr lang="en-US" altLang="zh-CN" sz="2200" dirty="0">
-                <a:latin typeface="+mn-ea"/>
-              </a:rPr>
-              <a:t>Use multipart/from-data </a:t>
-            </a:r>
-            <a:r>
-              <a:rPr lang="zh-CN" altLang="en-US" sz="2200" dirty="0">
-                <a:latin typeface="+mn-ea"/>
-              </a:rPr>
-              <a:t>发送，默认不选中。</a:t>
+              <a:t>中可以直接看到基于该取样器的图形统计信息。默认不选中。</a:t>
             </a:r>
             <a:endParaRPr lang="en-US" altLang="zh-CN" sz="2200" dirty="0">
               <a:latin typeface="+mn-ea"/>
@@ -11836,135 +11419,35 @@
               </a:spcBef>
             </a:pPr>
             <a:r>
+              <a:rPr lang="en-US" altLang="zh-CN" sz="2200" dirty="0">
+                <a:latin typeface="+mn-ea"/>
+              </a:rPr>
+              <a:t>Save response as MD5 hash</a:t>
+            </a:r>
+            <a:r>
               <a:rPr lang="zh-CN" altLang="en-US" sz="2200" dirty="0">
                 <a:latin typeface="+mn-ea"/>
               </a:rPr>
-              <a:t>同请求一起发送参数：在请求中发送</a:t>
+              <a:t>：选中时，在执行时仅记录服务器端响应数据的</a:t>
             </a:r>
             <a:r>
               <a:rPr lang="en-US" altLang="zh-CN" sz="2200" dirty="0">
                 <a:latin typeface="+mn-ea"/>
               </a:rPr>
-              <a:t>URL</a:t>
+              <a:t>MD5</a:t>
             </a:r>
             <a:r>
               <a:rPr lang="zh-CN" altLang="en-US" sz="2200" dirty="0">
                 <a:latin typeface="+mn-ea"/>
               </a:rPr>
-              <a:t>参数，对于带参数的</a:t>
-            </a:r>
-            <a:r>
-              <a:rPr lang="en-US" altLang="zh-CN" sz="2200" dirty="0">
-                <a:latin typeface="+mn-ea"/>
-              </a:rPr>
-              <a:t>URL</a:t>
-            </a:r>
-            <a:r>
-              <a:rPr lang="zh-CN" altLang="en-US" sz="2200" dirty="0" smtClean="0">
-                <a:latin typeface="+mn-ea"/>
-              </a:rPr>
-              <a:t>，</a:t>
-            </a:r>
-            <a:r>
-              <a:rPr lang="en-US" altLang="zh-CN" sz="2200" dirty="0" smtClean="0">
-                <a:latin typeface="+mn-ea"/>
-              </a:rPr>
-              <a:t>JMeter</a:t>
-            </a:r>
-            <a:r>
-              <a:rPr lang="zh-CN" altLang="en-US" sz="2200" dirty="0" smtClean="0">
-                <a:latin typeface="+mn-ea"/>
-              </a:rPr>
-              <a:t>提供</a:t>
-            </a:r>
-            <a:r>
-              <a:rPr lang="zh-CN" altLang="en-US" sz="2200" dirty="0">
-                <a:latin typeface="+mn-ea"/>
-              </a:rPr>
-              <a:t>了一个简单的对参数化的方法。用户可以将</a:t>
-            </a:r>
-            <a:r>
-              <a:rPr lang="en-US" altLang="zh-CN" sz="2200" dirty="0">
-                <a:latin typeface="+mn-ea"/>
-              </a:rPr>
-              <a:t>URL</a:t>
-            </a:r>
-            <a:r>
-              <a:rPr lang="zh-CN" altLang="en-US" sz="2200" dirty="0">
-                <a:latin typeface="+mn-ea"/>
-              </a:rPr>
-              <a:t>中所有参数设置在本表中，表中的每一行是一个参数值对（对应</a:t>
-            </a:r>
-            <a:r>
-              <a:rPr lang="en-US" altLang="zh-CN" sz="2200" dirty="0">
-                <a:latin typeface="+mn-ea"/>
-              </a:rPr>
-              <a:t>URL</a:t>
-            </a:r>
-            <a:r>
-              <a:rPr lang="zh-CN" altLang="en-US" sz="2200" dirty="0">
-                <a:latin typeface="+mn-ea"/>
-              </a:rPr>
-              <a:t>中的名称</a:t>
-            </a:r>
-            <a:r>
-              <a:rPr lang="en-US" altLang="zh-CN" sz="2200" dirty="0">
-                <a:latin typeface="+mn-ea"/>
-              </a:rPr>
-              <a:t>1=</a:t>
-            </a:r>
-            <a:r>
-              <a:rPr lang="zh-CN" altLang="en-US" sz="2200" dirty="0">
-                <a:latin typeface="+mn-ea"/>
-              </a:rPr>
-              <a:t>值</a:t>
-            </a:r>
-            <a:r>
-              <a:rPr lang="en-US" altLang="zh-CN" sz="2200" dirty="0">
-                <a:latin typeface="+mn-ea"/>
-              </a:rPr>
-              <a:t>1</a:t>
-            </a:r>
-            <a:r>
-              <a:rPr lang="zh-CN" altLang="en-US" sz="2200" dirty="0">
-                <a:latin typeface="+mn-ea"/>
-              </a:rPr>
-              <a:t>）</a:t>
-            </a:r>
-            <a:endParaRPr lang="en-US" altLang="zh-CN" sz="2200" dirty="0">
-              <a:latin typeface="+mn-ea"/>
-            </a:endParaRPr>
-          </a:p>
-          <a:p>
-            <a:pPr>
-              <a:spcBef>
-                <a:spcPts val="1000"/>
-              </a:spcBef>
-            </a:pPr>
-            <a:r>
-              <a:rPr lang="zh-CN" altLang="en-US" sz="2200" dirty="0">
-                <a:latin typeface="+mn-ea"/>
-              </a:rPr>
-              <a:t>同请求一起发送文件：在请求中发送文件，通常，</a:t>
-            </a:r>
-            <a:r>
-              <a:rPr lang="en-US" altLang="zh-CN" sz="2200" dirty="0">
-                <a:latin typeface="+mn-ea"/>
-              </a:rPr>
-              <a:t>HTTP</a:t>
-            </a:r>
-            <a:r>
-              <a:rPr lang="zh-CN" altLang="en-US" sz="2200" dirty="0">
-                <a:latin typeface="+mn-ea"/>
-              </a:rPr>
-              <a:t>文件上传行为可以通过这种方式模拟。</a:t>
+              <a:t>值，而不记录完整的响应数据。在需要进行数据量大的测试时，建议选中该项以减少取样器记录响应数据的开销。</a:t>
             </a:r>
           </a:p>
         </p:txBody>
       </p:sp>
       <p:sp>
         <p:nvSpPr>
-          <p:cNvPr id="3" name="标题 2"/>
+          <p:cNvPr id="4" name="标题 2"/>
           <p:cNvSpPr>
             <a:spLocks noGrp="1"/>
           </p:cNvSpPr>
@@ -11972,7 +11455,12 @@
             <p:ph type="title"/>
           </p:nvPr>
         </p:nvSpPr>
-        <p:spPr/>
+        <p:spPr>
+          <a:xfrm>
+            <a:off x="14265" y="0"/>
+            <a:ext cx="9022231" cy="614150"/>
+          </a:xfrm>
+        </p:spPr>
         <p:txBody>
           <a:bodyPr>
             <a:normAutofit fontScale="90000"/>
@@ -11993,7 +11481,7 @@
     </p:spTree>
     <p:extLst>
       <p:ext uri="{BB962C8B-B14F-4D97-AF65-F5344CB8AC3E}">
-        <p14:creationId xmlns:p14="http://schemas.microsoft.com/office/powerpoint/2010/main" val="2011521927"/>
+        <p14:creationId xmlns:p14="http://schemas.microsoft.com/office/powerpoint/2010/main" val="2563964338"/>
       </p:ext>
     </p:extLst>
   </p:cSld>
@@ -12039,13 +11527,13 @@
         </p:nvSpPr>
         <p:spPr>
           <a:xfrm>
-            <a:off x="467544" y="483518"/>
+            <a:off x="395536" y="897565"/>
             <a:ext cx="8229600" cy="3394472"/>
           </a:xfrm>
         </p:spPr>
         <p:txBody>
           <a:bodyPr>
-            <a:noAutofit/>
+            <a:normAutofit/>
           </a:bodyPr>
           <a:lstStyle/>
           <a:p>
@@ -12058,115 +11546,7 @@
               <a:rPr lang="zh-CN" altLang="en-US" sz="2200" dirty="0">
                 <a:latin typeface="+mn-ea"/>
               </a:rPr>
-              <a:t>从</a:t>
-            </a:r>
-            <a:r>
-              <a:rPr lang="en-US" altLang="zh-CN" sz="2200" dirty="0">
-                <a:latin typeface="+mn-ea"/>
-              </a:rPr>
-              <a:t>HTML</a:t>
-            </a:r>
-            <a:r>
-              <a:rPr lang="zh-CN" altLang="en-US" sz="2200" dirty="0">
-                <a:latin typeface="+mn-ea"/>
-              </a:rPr>
-              <a:t>文件获取所有内含的资源：选中时</a:t>
-            </a:r>
-            <a:r>
-              <a:rPr lang="zh-CN" altLang="en-US" sz="2200" dirty="0" smtClean="0">
-                <a:latin typeface="+mn-ea"/>
-              </a:rPr>
-              <a:t>，</a:t>
-            </a:r>
-            <a:r>
-              <a:rPr lang="en-US" altLang="zh-CN" sz="2200" dirty="0" smtClean="0">
-                <a:latin typeface="+mn-ea"/>
-              </a:rPr>
-              <a:t>JMeter</a:t>
-            </a:r>
-            <a:r>
-              <a:rPr lang="zh-CN" altLang="en-US" sz="2200" dirty="0" smtClean="0">
-                <a:latin typeface="+mn-ea"/>
-              </a:rPr>
-              <a:t>在</a:t>
-            </a:r>
-            <a:r>
-              <a:rPr lang="zh-CN" altLang="en-US" sz="2200" dirty="0">
-                <a:latin typeface="+mn-ea"/>
-              </a:rPr>
-              <a:t>发出</a:t>
-            </a:r>
-            <a:r>
-              <a:rPr lang="en-US" altLang="zh-CN" sz="2200" dirty="0">
-                <a:latin typeface="+mn-ea"/>
-              </a:rPr>
-              <a:t>HTTP</a:t>
-            </a:r>
-            <a:r>
-              <a:rPr lang="zh-CN" altLang="en-US" sz="2200" dirty="0">
-                <a:latin typeface="+mn-ea"/>
-              </a:rPr>
-              <a:t>请求并获得响应的</a:t>
-            </a:r>
-            <a:r>
-              <a:rPr lang="en-US" altLang="zh-CN" sz="2200" dirty="0">
-                <a:latin typeface="+mn-ea"/>
-              </a:rPr>
-              <a:t>HTML</a:t>
-            </a:r>
-            <a:r>
-              <a:rPr lang="zh-CN" altLang="en-US" sz="2200" dirty="0">
-                <a:latin typeface="+mn-ea"/>
-              </a:rPr>
-              <a:t>文件内容后，还对该</a:t>
-            </a:r>
-            <a:r>
-              <a:rPr lang="en-US" altLang="zh-CN" sz="2200" dirty="0">
-                <a:latin typeface="+mn-ea"/>
-              </a:rPr>
-              <a:t>HTML</a:t>
-            </a:r>
-            <a:r>
-              <a:rPr lang="zh-CN" altLang="en-US" sz="2200" dirty="0">
-                <a:latin typeface="+mn-ea"/>
-              </a:rPr>
-              <a:t>进行</a:t>
-            </a:r>
-            <a:r>
-              <a:rPr lang="en-US" altLang="zh-CN" sz="2200" dirty="0">
-                <a:latin typeface="+mn-ea"/>
-              </a:rPr>
-              <a:t>Parse</a:t>
-            </a:r>
-            <a:r>
-              <a:rPr lang="zh-CN" altLang="en-US" sz="2200" dirty="0">
-                <a:latin typeface="+mn-ea"/>
-              </a:rPr>
-              <a:t>并获取</a:t>
-            </a:r>
-            <a:r>
-              <a:rPr lang="en-US" altLang="zh-CN" sz="2200" dirty="0">
-                <a:latin typeface="+mn-ea"/>
-              </a:rPr>
-              <a:t>HTML</a:t>
-            </a:r>
-            <a:r>
-              <a:rPr lang="zh-CN" altLang="en-US" sz="2200" dirty="0">
-                <a:latin typeface="+mn-ea"/>
-              </a:rPr>
-              <a:t>中包含的资源。默认不选中，如果用户只需要获取页面中的特定资源，可以在下方中的</a:t>
-            </a:r>
-            <a:r>
-              <a:rPr lang="en-US" altLang="zh-CN" sz="2200" dirty="0">
-                <a:latin typeface="+mn-ea"/>
-              </a:rPr>
-              <a:t>URLs must match</a:t>
-            </a:r>
-            <a:r>
-              <a:rPr lang="zh-CN" altLang="en-US" sz="2200" dirty="0">
-                <a:latin typeface="+mn-ea"/>
-              </a:rPr>
-              <a:t>文本框中填入需要下载的特定资源表达式，这样，只有匹配成功的资源才会被下载。</a:t>
+              <a:t>线程数：虚拟用户数</a:t>
             </a:r>
             <a:endParaRPr lang="en-US" altLang="zh-CN" sz="2200" dirty="0">
               <a:latin typeface="+mn-ea"/>
@@ -12179,22 +11559,52 @@
               </a:spcBef>
             </a:pPr>
             <a:r>
+              <a:rPr lang="en-US" altLang="zh-CN" sz="2200" dirty="0">
+                <a:latin typeface="+mn-ea"/>
+              </a:rPr>
+              <a:t>ramp up period:</a:t>
+            </a:r>
+            <a:r>
               <a:rPr lang="zh-CN" altLang="en-US" sz="2200" dirty="0">
                 <a:latin typeface="+mn-ea"/>
               </a:rPr>
-              <a:t>用作监视器：此取样器被当成监视器，在</a:t>
+              <a:t>设置的虚拟用户需要多长时间全部启动。如果线程数为</a:t>
             </a:r>
             <a:r>
               <a:rPr lang="en-US" altLang="zh-CN" sz="2200" dirty="0">
                 <a:latin typeface="+mn-ea"/>
               </a:rPr>
-              <a:t>Monitor Results Listener</a:t>
+              <a:t>20</a:t>
             </a:r>
             <a:r>
               <a:rPr lang="zh-CN" altLang="en-US" sz="2200" dirty="0">
                 <a:latin typeface="+mn-ea"/>
               </a:rPr>
-              <a:t>中可以直接看到基于该取样器的图形统计信息。默认不选中。</a:t>
+              <a:t>，时间为</a:t>
+            </a:r>
+            <a:r>
+              <a:rPr lang="en-US" altLang="zh-CN" sz="2200" dirty="0">
+                <a:latin typeface="+mn-ea"/>
+              </a:rPr>
+              <a:t>10</a:t>
+            </a:r>
+            <a:r>
+              <a:rPr lang="zh-CN" altLang="en-US" sz="2200" dirty="0">
+                <a:latin typeface="+mn-ea"/>
+              </a:rPr>
+              <a:t>，也就是每秒钟启动</a:t>
+            </a:r>
+            <a:r>
+              <a:rPr lang="en-US" altLang="zh-CN" sz="2200" dirty="0">
+                <a:latin typeface="+mn-ea"/>
+              </a:rPr>
+              <a:t>2</a:t>
+            </a:r>
+            <a:r>
+              <a:rPr lang="zh-CN" altLang="en-US" sz="2200" dirty="0">
+                <a:latin typeface="+mn-ea"/>
+              </a:rPr>
+              <a:t>个线程</a:t>
             </a:r>
             <a:endParaRPr lang="en-US" altLang="zh-CN" sz="2200" dirty="0">
               <a:latin typeface="+mn-ea"/>
@@ -12207,35 +11617,108 @@
               </a:spcBef>
             </a:pPr>
             <a:r>
+              <a:rPr lang="zh-CN" altLang="en-US" sz="2200" dirty="0">
+                <a:latin typeface="+mn-ea"/>
+              </a:rPr>
+              <a:t>循环次数：每个线程发送请求的次数。如果线程数为</a:t>
+            </a:r>
+            <a:r>
               <a:rPr lang="en-US" altLang="zh-CN" sz="2200" dirty="0">
                 <a:latin typeface="+mn-ea"/>
               </a:rPr>
-              <a:t>Save response as MD5 hash</a:t>
+              <a:t>20</a:t>
             </a:r>
             <a:r>
               <a:rPr lang="zh-CN" altLang="en-US" sz="2200" dirty="0">
                 <a:latin typeface="+mn-ea"/>
               </a:rPr>
-              <a:t>：选中时，在执行时仅记录服务器端响应数据的</a:t>
+              <a:t>，循环次数为</a:t>
             </a:r>
             <a:r>
               <a:rPr lang="en-US" altLang="zh-CN" sz="2200" dirty="0">
                 <a:latin typeface="+mn-ea"/>
               </a:rPr>
-              <a:t>MD5</a:t>
+              <a:t>100</a:t>
             </a:r>
             <a:r>
               <a:rPr lang="zh-CN" altLang="en-US" sz="2200" dirty="0">
                 <a:latin typeface="+mn-ea"/>
               </a:rPr>
-              <a:t>值，而不记录完整的响应数据。在需要进行数据量大的测试时，建议选中该项以减少取样器记录响应数据的开销。</a:t>
+              <a:t>，那么每个线程发送</a:t>
+            </a:r>
+            <a:r>
+              <a:rPr lang="en-US" altLang="zh-CN" sz="2200" dirty="0">
+                <a:latin typeface="+mn-ea"/>
+              </a:rPr>
+              <a:t>100</a:t>
+            </a:r>
+            <a:r>
+              <a:rPr lang="zh-CN" altLang="en-US" sz="2200" dirty="0">
+                <a:latin typeface="+mn-ea"/>
+              </a:rPr>
+              <a:t>次请求。总请求数为</a:t>
+            </a:r>
+            <a:r>
+              <a:rPr lang="en-US" altLang="zh-CN" sz="2200" dirty="0">
+                <a:latin typeface="+mn-ea"/>
+              </a:rPr>
+              <a:t>20</a:t>
+            </a:r>
+            <a:r>
+              <a:rPr lang="zh-CN" altLang="en-US" sz="2200" dirty="0">
+                <a:latin typeface="+mn-ea"/>
+              </a:rPr>
+              <a:t>*</a:t>
+            </a:r>
+            <a:r>
+              <a:rPr lang="en-US" altLang="zh-CN" sz="2200" dirty="0">
+                <a:latin typeface="+mn-ea"/>
+              </a:rPr>
+              <a:t>100=2000</a:t>
+            </a:r>
+            <a:r>
+              <a:rPr lang="zh-CN" altLang="en-US" sz="2200" dirty="0">
+                <a:latin typeface="+mn-ea"/>
+              </a:rPr>
+              <a:t>。如果</a:t>
+            </a:r>
+            <a:r>
+              <a:rPr lang="zh-CN" altLang="en-US" sz="2200" dirty="0">
+                <a:solidFill>
+                  <a:srgbClr val="FF0000"/>
+                </a:solidFill>
+                <a:latin typeface="+mn-ea"/>
+              </a:rPr>
+              <a:t>勾选了“永远”</a:t>
+            </a:r>
+            <a:r>
+              <a:rPr lang="zh-CN" altLang="en-US" sz="2200" dirty="0">
+                <a:latin typeface="+mn-ea"/>
+              </a:rPr>
+              <a:t>，那么所有线程会一直发送请求，直到选择停止运行脚本。</a:t>
+            </a:r>
+            <a:endParaRPr lang="en-US" altLang="zh-CN" sz="2200" dirty="0">
+              <a:latin typeface="+mn-ea"/>
+            </a:endParaRPr>
+          </a:p>
+          <a:p>
+            <a:pPr>
+              <a:spcBef>
+                <a:spcPts val="1000"/>
+              </a:spcBef>
+            </a:pPr>
+            <a:r>
+              <a:rPr lang="zh-CN" altLang="en-US" sz="2200" dirty="0">
+                <a:latin typeface="+mn-ea"/>
+              </a:rPr>
+              <a:t>调度器：可以灵活设置运行时间</a:t>
             </a:r>
           </a:p>
         </p:txBody>
       </p:sp>
       <p:sp>
         <p:nvSpPr>
-          <p:cNvPr id="4" name="标题 2"/>
+          <p:cNvPr id="3" name="标题 2"/>
           <p:cNvSpPr>
             <a:spLocks noGrp="1"/>
           </p:cNvSpPr>
@@ -12243,12 +11726,7 @@
             <p:ph type="title"/>
           </p:nvPr>
         </p:nvSpPr>
-        <p:spPr>
-          <a:xfrm>
-            <a:off x="14265" y="0"/>
-            <a:ext cx="9022231" cy="614150"/>
-          </a:xfrm>
-        </p:spPr>
+        <p:spPr/>
         <p:txBody>
           <a:bodyPr>
             <a:normAutofit fontScale="90000"/>
@@ -12256,20 +11734,17 @@
           <a:lstStyle/>
           <a:p>
             <a:r>
-              <a:rPr lang="en-US" altLang="zh-CN" dirty="0"/>
-              <a:t>Http</a:t>
-            </a:r>
-            <a:r>
-              <a:rPr lang="zh-CN" altLang="en-US" dirty="0"/>
-              <a:t>请求设置</a:t>
-            </a:r>
+              <a:rPr lang="zh-CN" altLang="en-US" dirty="0" smtClean="0"/>
+              <a:t>线程组设置</a:t>
+            </a:r>
+            <a:endParaRPr lang="zh-CN" altLang="en-US" dirty="0"/>
           </a:p>
         </p:txBody>
       </p:sp>
     </p:spTree>
     <p:extLst>
       <p:ext uri="{BB962C8B-B14F-4D97-AF65-F5344CB8AC3E}">
-        <p14:creationId xmlns:p14="http://schemas.microsoft.com/office/powerpoint/2010/main" val="2563964338"/>
+        <p14:creationId xmlns:p14="http://schemas.microsoft.com/office/powerpoint/2010/main" val="316961586"/>
       </p:ext>
     </p:extLst>
   </p:cSld>
@@ -12530,269 +12005,6 @@
 </file>
 
 <file path=ppt/slides/slide30.xml><?xml version="1.0" encoding="utf-8"?>
-<p:sld xmlns:a="http://schemas.openxmlformats.org/drawingml/2006/main" xmlns:r="http://schemas.openxmlformats.org/officeDocument/2006/relationships" xmlns:p="http://schemas.openxmlformats.org/presentationml/2006/main">
-  <p:cSld>
-    <p:spTree>
-      <p:nvGrpSpPr>
-        <p:cNvPr id="1" name=""/>
-        <p:cNvGrpSpPr/>
-        <p:nvPr/>
-      </p:nvGrpSpPr>
-      <p:grpSpPr>
-        <a:xfrm>
-          <a:off x="0" y="0"/>
-          <a:ext cx="0" cy="0"/>
-          <a:chOff x="0" y="0"/>
-          <a:chExt cx="0" cy="0"/>
-        </a:xfrm>
-      </p:grpSpPr>
-      <p:sp>
-        <p:nvSpPr>
-          <p:cNvPr id="2" name="内容占位符 1"/>
-          <p:cNvSpPr>
-            <a:spLocks noGrp="1"/>
-          </p:cNvSpPr>
-          <p:nvPr>
-            <p:ph idx="1"/>
-          </p:nvPr>
-        </p:nvSpPr>
-        <p:spPr>
-          <a:xfrm>
-            <a:off x="395536" y="897565"/>
-            <a:ext cx="8229600" cy="3394472"/>
-          </a:xfrm>
-        </p:spPr>
-        <p:txBody>
-          <a:bodyPr>
-            <a:normAutofit/>
-          </a:bodyPr>
-          <a:lstStyle/>
-          <a:p>
-            <a:pPr>
-              <a:spcBef>
-                <a:spcPts val="1000"/>
-              </a:spcBef>
-            </a:pPr>
-            <a:r>
-              <a:rPr lang="zh-CN" altLang="en-US" sz="2200" dirty="0">
-                <a:latin typeface="+mn-ea"/>
-              </a:rPr>
-              <a:t>线程数：虚拟用户数</a:t>
-            </a:r>
-            <a:endParaRPr lang="en-US" altLang="zh-CN" sz="2200" dirty="0">
-              <a:latin typeface="+mn-ea"/>
-            </a:endParaRPr>
-          </a:p>
-          <a:p>
-            <a:pPr>
-              <a:spcBef>
-                <a:spcPts val="1000"/>
-              </a:spcBef>
-            </a:pPr>
-            <a:r>
-              <a:rPr lang="en-US" altLang="zh-CN" sz="2200" dirty="0">
-                <a:latin typeface="+mn-ea"/>
-              </a:rPr>
-              <a:t>ramp up period:</a:t>
-            </a:r>
-            <a:r>
-              <a:rPr lang="zh-CN" altLang="en-US" sz="2200" dirty="0">
-                <a:latin typeface="+mn-ea"/>
-              </a:rPr>
-              <a:t>设置的虚拟用户需要多长时间全部启动。如果线程数为</a:t>
-            </a:r>
-            <a:r>
-              <a:rPr lang="en-US" altLang="zh-CN" sz="2200" dirty="0">
-                <a:latin typeface="+mn-ea"/>
-              </a:rPr>
-              <a:t>20</a:t>
-            </a:r>
-            <a:r>
-              <a:rPr lang="zh-CN" altLang="en-US" sz="2200" dirty="0">
-                <a:latin typeface="+mn-ea"/>
-              </a:rPr>
-              <a:t>，时间为</a:t>
-            </a:r>
-            <a:r>
-              <a:rPr lang="en-US" altLang="zh-CN" sz="2200" dirty="0">
-                <a:latin typeface="+mn-ea"/>
-              </a:rPr>
-              <a:t>10</a:t>
-            </a:r>
-            <a:r>
-              <a:rPr lang="zh-CN" altLang="en-US" sz="2200" dirty="0">
-                <a:latin typeface="+mn-ea"/>
-              </a:rPr>
-              <a:t>，也就是每秒钟启动</a:t>
-            </a:r>
-            <a:r>
-              <a:rPr lang="en-US" altLang="zh-CN" sz="2200" dirty="0">
-                <a:latin typeface="+mn-ea"/>
-              </a:rPr>
-              <a:t>2</a:t>
-            </a:r>
-            <a:r>
-              <a:rPr lang="zh-CN" altLang="en-US" sz="2200" dirty="0">
-                <a:latin typeface="+mn-ea"/>
-              </a:rPr>
-              <a:t>个线程</a:t>
-            </a:r>
-            <a:endParaRPr lang="en-US" altLang="zh-CN" sz="2200" dirty="0">
-              <a:latin typeface="+mn-ea"/>
-            </a:endParaRPr>
-          </a:p>
-          <a:p>
-            <a:pPr>
-              <a:spcBef>
-                <a:spcPts val="1000"/>
-              </a:spcBef>
-            </a:pPr>
-            <a:r>
-              <a:rPr lang="zh-CN" altLang="en-US" sz="2200" dirty="0">
-                <a:latin typeface="+mn-ea"/>
-              </a:rPr>
-              <a:t>循环次数：每个线程发送请求的次数。如果线程数为</a:t>
-            </a:r>
-            <a:r>
-              <a:rPr lang="en-US" altLang="zh-CN" sz="2200" dirty="0">
-                <a:latin typeface="+mn-ea"/>
-              </a:rPr>
-              <a:t>20</a:t>
-            </a:r>
-            <a:r>
-              <a:rPr lang="zh-CN" altLang="en-US" sz="2200" dirty="0">
-                <a:latin typeface="+mn-ea"/>
-              </a:rPr>
-              <a:t>，循环次数为</a:t>
-            </a:r>
-            <a:r>
-              <a:rPr lang="en-US" altLang="zh-CN" sz="2200" dirty="0">
-                <a:latin typeface="+mn-ea"/>
-              </a:rPr>
-              <a:t>100</a:t>
-            </a:r>
-            <a:r>
-              <a:rPr lang="zh-CN" altLang="en-US" sz="2200" dirty="0">
-                <a:latin typeface="+mn-ea"/>
-              </a:rPr>
-              <a:t>，那么每个线程发送</a:t>
-            </a:r>
-            <a:r>
-              <a:rPr lang="en-US" altLang="zh-CN" sz="2200" dirty="0">
-                <a:latin typeface="+mn-ea"/>
-              </a:rPr>
-              <a:t>100</a:t>
-            </a:r>
-            <a:r>
-              <a:rPr lang="zh-CN" altLang="en-US" sz="2200" dirty="0">
-                <a:latin typeface="+mn-ea"/>
-              </a:rPr>
-              <a:t>次请求。总请求数为</a:t>
-            </a:r>
-            <a:r>
-              <a:rPr lang="en-US" altLang="zh-CN" sz="2200" dirty="0">
-                <a:latin typeface="+mn-ea"/>
-              </a:rPr>
-              <a:t>20</a:t>
-            </a:r>
-            <a:r>
-              <a:rPr lang="zh-CN" altLang="en-US" sz="2200" dirty="0">
-                <a:latin typeface="+mn-ea"/>
-              </a:rPr>
-              <a:t>*</a:t>
-            </a:r>
-            <a:r>
-              <a:rPr lang="en-US" altLang="zh-CN" sz="2200" dirty="0">
-                <a:latin typeface="+mn-ea"/>
-              </a:rPr>
-              <a:t>100=2000</a:t>
-            </a:r>
-            <a:r>
-              <a:rPr lang="zh-CN" altLang="en-US" sz="2200" dirty="0">
-                <a:latin typeface="+mn-ea"/>
-              </a:rPr>
-              <a:t>。如果</a:t>
-            </a:r>
-            <a:r>
-              <a:rPr lang="zh-CN" altLang="en-US" sz="2200" dirty="0">
-                <a:solidFill>
-                  <a:srgbClr val="FF0000"/>
-                </a:solidFill>
-                <a:latin typeface="+mn-ea"/>
-              </a:rPr>
-              <a:t>勾选了“永远”</a:t>
-            </a:r>
-            <a:r>
-              <a:rPr lang="zh-CN" altLang="en-US" sz="2200" dirty="0">
-                <a:latin typeface="+mn-ea"/>
-              </a:rPr>
-              <a:t>，那么所有线程会一直发送请求，直到选择停止运行脚本。</a:t>
-            </a:r>
-            <a:endParaRPr lang="en-US" altLang="zh-CN" sz="2200" dirty="0">
-              <a:latin typeface="+mn-ea"/>
-            </a:endParaRPr>
-          </a:p>
-          <a:p>
-            <a:pPr>
-              <a:spcBef>
-                <a:spcPts val="1000"/>
-              </a:spcBef>
-            </a:pPr>
-            <a:r>
-              <a:rPr lang="zh-CN" altLang="en-US" sz="2200" dirty="0">
-                <a:latin typeface="+mn-ea"/>
-              </a:rPr>
-              <a:t>调度器：可以灵活设置运行时间</a:t>
-            </a:r>
-          </a:p>
-        </p:txBody>
-      </p:sp>
-      <p:sp>
-        <p:nvSpPr>
-          <p:cNvPr id="3" name="标题 2"/>
-          <p:cNvSpPr>
-            <a:spLocks noGrp="1"/>
-          </p:cNvSpPr>
-          <p:nvPr>
-            <p:ph type="title"/>
-          </p:nvPr>
-        </p:nvSpPr>
-        <p:spPr/>
-        <p:txBody>
-          <a:bodyPr>
-            <a:normAutofit fontScale="90000"/>
-          </a:bodyPr>
-          <a:lstStyle/>
-          <a:p>
-            <a:r>
-              <a:rPr lang="zh-CN" altLang="en-US" dirty="0" smtClean="0"/>
-              <a:t>线程组设置</a:t>
-            </a:r>
-            <a:endParaRPr lang="zh-CN" altLang="en-US" dirty="0"/>
-          </a:p>
-        </p:txBody>
-      </p:sp>
-    </p:spTree>
-    <p:extLst>
-      <p:ext uri="{BB962C8B-B14F-4D97-AF65-F5344CB8AC3E}">
-        <p14:creationId xmlns:p14="http://schemas.microsoft.com/office/powerpoint/2010/main" val="316961586"/>
-      </p:ext>
-    </p:extLst>
-  </p:cSld>
-  <p:clrMapOvr>
-    <a:masterClrMapping/>
-  </p:clrMapOvr>
-  <p:timing>
-    <p:tnLst>
-      <p:par>
-        <p:cTn id="1" dur="indefinite" restart="never" nodeType="tmRoot"/>
-      </p:par>
-    </p:tnLst>
-  </p:timing>
-</p:sld>
-</file>
-
-<file path=ppt/slides/slide31.xml><?xml version="1.0" encoding="utf-8"?>
 <p:sld xmlns:a="http://schemas.openxmlformats.org/drawingml/2006/main" xmlns:r="http://schemas.openxmlformats.org/officeDocument/2006/relationships" xmlns:p="http://schemas.openxmlformats.org/presentationml/2006/main">
   <p:cSld>
     <p:spTree>
@@ -13167,7 +12379,7 @@
 </p:sld>
 </file>
 
-<file path=ppt/slides/slide32.xml><?xml version="1.0" encoding="utf-8"?>
+<file path=ppt/slides/slide31.xml><?xml version="1.0" encoding="utf-8"?>
 <p:sld xmlns:a="http://schemas.openxmlformats.org/drawingml/2006/main" xmlns:r="http://schemas.openxmlformats.org/officeDocument/2006/relationships" xmlns:p="http://schemas.openxmlformats.org/presentationml/2006/main">
   <p:cSld>
     <p:spTree>
@@ -13342,7 +12554,7 @@
 </p:sld>
 </file>
 
-<file path=ppt/slides/slide33.xml><?xml version="1.0" encoding="utf-8"?>
+<file path=ppt/slides/slide32.xml><?xml version="1.0" encoding="utf-8"?>
 <p:sld xmlns:a="http://schemas.openxmlformats.org/drawingml/2006/main" xmlns:r="http://schemas.openxmlformats.org/officeDocument/2006/relationships" xmlns:p="http://schemas.openxmlformats.org/presentationml/2006/main">
   <p:cSld>
     <p:spTree>
@@ -13887,7 +13099,7 @@
 </p:sld>
 </file>
 
-<file path=ppt/slides/slide34.xml><?xml version="1.0" encoding="utf-8"?>
+<file path=ppt/slides/slide33.xml><?xml version="1.0" encoding="utf-8"?>
 <p:sld xmlns:a="http://schemas.openxmlformats.org/drawingml/2006/main" xmlns:r="http://schemas.openxmlformats.org/officeDocument/2006/relationships" xmlns:p="http://schemas.openxmlformats.org/presentationml/2006/main">
   <p:cSld>
     <p:spTree>
@@ -14362,7 +13574,7 @@
 </p:sld>
 </file>
 
-<file path=ppt/slides/slide35.xml><?xml version="1.0" encoding="utf-8"?>
+<file path=ppt/slides/slide34.xml><?xml version="1.0" encoding="utf-8"?>
 <p:sld xmlns:a="http://schemas.openxmlformats.org/drawingml/2006/main" xmlns:r="http://schemas.openxmlformats.org/officeDocument/2006/relationships" xmlns:p="http://schemas.openxmlformats.org/presentationml/2006/main">
   <p:cSld>
     <p:spTree>
@@ -14502,7 +13714,7 @@
 </p:sld>
 </file>
 
-<file path=ppt/slides/slide36.xml><?xml version="1.0" encoding="utf-8"?>
+<file path=ppt/slides/slide35.xml><?xml version="1.0" encoding="utf-8"?>
 <p:sld xmlns:a="http://schemas.openxmlformats.org/drawingml/2006/main" xmlns:r="http://schemas.openxmlformats.org/officeDocument/2006/relationships" xmlns:p="http://schemas.openxmlformats.org/presentationml/2006/main">
   <p:cSld>
     <p:spTree>
@@ -15179,7 +14391,7 @@
 </p:sld>
 </file>
 
-<file path=ppt/slides/slide37.xml><?xml version="1.0" encoding="utf-8"?>
+<file path=ppt/slides/slide36.xml><?xml version="1.0" encoding="utf-8"?>
 <p:sld xmlns:a="http://schemas.openxmlformats.org/drawingml/2006/main" xmlns:r="http://schemas.openxmlformats.org/officeDocument/2006/relationships" xmlns:p="http://schemas.openxmlformats.org/presentationml/2006/main">
   <p:cSld>
     <p:spTree>
@@ -15429,7 +14641,7 @@
 </p:sld>
 </file>
 
-<file path=ppt/slides/slide38.xml><?xml version="1.0" encoding="utf-8"?>
+<file path=ppt/slides/slide37.xml><?xml version="1.0" encoding="utf-8"?>
 <p:sld xmlns:a="http://schemas.openxmlformats.org/drawingml/2006/main" xmlns:r="http://schemas.openxmlformats.org/officeDocument/2006/relationships" xmlns:p="http://schemas.openxmlformats.org/presentationml/2006/main">
   <p:cSld>
     <p:spTree>
@@ -15645,7 +14857,7 @@
 </p:sld>
 </file>
 
-<file path=ppt/slides/slide39.xml><?xml version="1.0" encoding="utf-8"?>
+<file path=ppt/slides/slide38.xml><?xml version="1.0" encoding="utf-8"?>
 <p:sld xmlns:a="http://schemas.openxmlformats.org/drawingml/2006/main" xmlns:r="http://schemas.openxmlformats.org/officeDocument/2006/relationships" xmlns:p="http://schemas.openxmlformats.org/presentationml/2006/main">
   <p:cSld>
     <p:spTree>
@@ -16133,7 +15345,7 @@
           <p:nvPr>
             <p:extLst>
               <p:ext uri="{D42A27DB-BD31-4B8C-83A1-F6EECF244321}">
-                <p14:modId xmlns:p14="http://schemas.microsoft.com/office/powerpoint/2010/main" val="2794355337"/>
+                <p14:modId xmlns:p14="http://schemas.microsoft.com/office/powerpoint/2010/main" val="673467623"/>
               </p:ext>
             </p:extLst>
           </p:nvPr>
@@ -16514,7 +15726,14 @@
                           <a:latin typeface="+mn-ea"/>
                           <a:ea typeface="+mn-ea"/>
                         </a:rPr>
-                        <a:t>开始的早，经验、资料多，学习成本低</a:t>
+                        <a:t>经验</a:t>
+                      </a:r>
+                      <a:r>
+                        <a:rPr lang="zh-CN" altLang="en-US" sz="1800" b="1" baseline="0" dirty="0" smtClean="0">
+                          <a:latin typeface="+mn-ea"/>
+                          <a:ea typeface="+mn-ea"/>
+                        </a:rPr>
+                        <a:t>、资料多，学习成本低</a:t>
                       </a:r>
                     </a:p>
                   </a:txBody>
@@ -16530,7 +15749,14 @@
                           <a:latin typeface="+mn-ea"/>
                           <a:ea typeface="+mn-ea"/>
                         </a:rPr>
-                        <a:t>开始的晚，学习资料少、学习成本高</a:t>
+                        <a:t>学习</a:t>
+                      </a:r>
+                      <a:r>
+                        <a:rPr lang="zh-CN" altLang="en-US" sz="1800" b="1" baseline="0" dirty="0" smtClean="0">
+                          <a:latin typeface="+mn-ea"/>
+                          <a:ea typeface="+mn-ea"/>
+                        </a:rPr>
+                        <a:t>资料少、学习成本高</a:t>
                       </a:r>
                       <a:endParaRPr lang="zh-CN" altLang="en-US" sz="1800" b="1" baseline="0" dirty="0">
                         <a:latin typeface="+mn-ea"/>
@@ -16814,6 +16040,13 @@
   <p:clrMapOvr>
     <a:masterClrMapping/>
   </p:clrMapOvr>
+  <p:timing>
+    <p:tnLst>
+      <p:par>
+        <p:cTn id="1" dur="indefinite" restart="never" nodeType="tmRoot"/>
+      </p:par>
+    </p:tnLst>
+  </p:timing>
 </p:sld>
 </file>
 
@@ -17817,7 +17050,7 @@
         <a:sysClr val="windowText" lastClr="000000"/>
       </a:dk1>
       <a:lt1>
-        <a:sysClr val="window" lastClr="FFFFFF"/>
+        <a:sysClr val="window" lastClr="CCE8CF"/>
       </a:lt1>
       <a:dk2>
         <a:srgbClr val="1F497D"/>
@@ -18100,7 +17333,7 @@
         <a:sysClr val="windowText" lastClr="000000"/>
       </a:dk1>
       <a:lt1>
-        <a:sysClr val="window" lastClr="FFFFFF"/>
+        <a:sysClr val="window" lastClr="CCE8CF"/>
       </a:lt1>
       <a:dk2>
         <a:srgbClr val="1F497D"/>
